--- a/01Relatorios/Images/Prints_Simulações_PWM_Sensor/Edicoes_WORD.pptx
+++ b/01Relatorios/Images/Prints_Simulações_PWM_Sensor/Edicoes_WORD.pptx
@@ -275,7 +275,7 @@
           <a:p>
             <a:fld id="{F1A25FD6-DE5F-4C08-B784-1070BBC5F3C4}" type="datetimeFigureOut">
               <a:rPr lang="pt-PT" smtClean="0"/>
-              <a:t>08/02/2021</a:t>
+              <a:t>09/02/2021</a:t>
             </a:fld>
             <a:endParaRPr lang="pt-PT"/>
           </a:p>
@@ -473,7 +473,7 @@
           <a:p>
             <a:fld id="{F1A25FD6-DE5F-4C08-B784-1070BBC5F3C4}" type="datetimeFigureOut">
               <a:rPr lang="pt-PT" smtClean="0"/>
-              <a:t>08/02/2021</a:t>
+              <a:t>09/02/2021</a:t>
             </a:fld>
             <a:endParaRPr lang="pt-PT"/>
           </a:p>
@@ -681,7 +681,7 @@
           <a:p>
             <a:fld id="{F1A25FD6-DE5F-4C08-B784-1070BBC5F3C4}" type="datetimeFigureOut">
               <a:rPr lang="pt-PT" smtClean="0"/>
-              <a:t>08/02/2021</a:t>
+              <a:t>09/02/2021</a:t>
             </a:fld>
             <a:endParaRPr lang="pt-PT"/>
           </a:p>
@@ -879,7 +879,7 @@
           <a:p>
             <a:fld id="{F1A25FD6-DE5F-4C08-B784-1070BBC5F3C4}" type="datetimeFigureOut">
               <a:rPr lang="pt-PT" smtClean="0"/>
-              <a:t>08/02/2021</a:t>
+              <a:t>09/02/2021</a:t>
             </a:fld>
             <a:endParaRPr lang="pt-PT"/>
           </a:p>
@@ -1154,7 +1154,7 @@
           <a:p>
             <a:fld id="{F1A25FD6-DE5F-4C08-B784-1070BBC5F3C4}" type="datetimeFigureOut">
               <a:rPr lang="pt-PT" smtClean="0"/>
-              <a:t>08/02/2021</a:t>
+              <a:t>09/02/2021</a:t>
             </a:fld>
             <a:endParaRPr lang="pt-PT"/>
           </a:p>
@@ -1419,7 +1419,7 @@
           <a:p>
             <a:fld id="{F1A25FD6-DE5F-4C08-B784-1070BBC5F3C4}" type="datetimeFigureOut">
               <a:rPr lang="pt-PT" smtClean="0"/>
-              <a:t>08/02/2021</a:t>
+              <a:t>09/02/2021</a:t>
             </a:fld>
             <a:endParaRPr lang="pt-PT"/>
           </a:p>
@@ -1831,7 +1831,7 @@
           <a:p>
             <a:fld id="{F1A25FD6-DE5F-4C08-B784-1070BBC5F3C4}" type="datetimeFigureOut">
               <a:rPr lang="pt-PT" smtClean="0"/>
-              <a:t>08/02/2021</a:t>
+              <a:t>09/02/2021</a:t>
             </a:fld>
             <a:endParaRPr lang="pt-PT"/>
           </a:p>
@@ -1972,7 +1972,7 @@
           <a:p>
             <a:fld id="{F1A25FD6-DE5F-4C08-B784-1070BBC5F3C4}" type="datetimeFigureOut">
               <a:rPr lang="pt-PT" smtClean="0"/>
-              <a:t>08/02/2021</a:t>
+              <a:t>09/02/2021</a:t>
             </a:fld>
             <a:endParaRPr lang="pt-PT"/>
           </a:p>
@@ -2085,7 +2085,7 @@
           <a:p>
             <a:fld id="{F1A25FD6-DE5F-4C08-B784-1070BBC5F3C4}" type="datetimeFigureOut">
               <a:rPr lang="pt-PT" smtClean="0"/>
-              <a:t>08/02/2021</a:t>
+              <a:t>09/02/2021</a:t>
             </a:fld>
             <a:endParaRPr lang="pt-PT"/>
           </a:p>
@@ -2396,7 +2396,7 @@
           <a:p>
             <a:fld id="{F1A25FD6-DE5F-4C08-B784-1070BBC5F3C4}" type="datetimeFigureOut">
               <a:rPr lang="pt-PT" smtClean="0"/>
-              <a:t>08/02/2021</a:t>
+              <a:t>09/02/2021</a:t>
             </a:fld>
             <a:endParaRPr lang="pt-PT"/>
           </a:p>
@@ -2684,7 +2684,7 @@
           <a:p>
             <a:fld id="{F1A25FD6-DE5F-4C08-B784-1070BBC5F3C4}" type="datetimeFigureOut">
               <a:rPr lang="pt-PT" smtClean="0"/>
-              <a:t>08/02/2021</a:t>
+              <a:t>09/02/2021</a:t>
             </a:fld>
             <a:endParaRPr lang="pt-PT"/>
           </a:p>
@@ -2925,7 +2925,7 @@
           <a:p>
             <a:fld id="{F1A25FD6-DE5F-4C08-B784-1070BBC5F3C4}" type="datetimeFigureOut">
               <a:rPr lang="pt-PT" smtClean="0"/>
-              <a:t>08/02/2021</a:t>
+              <a:t>09/02/2021</a:t>
             </a:fld>
             <a:endParaRPr lang="pt-PT"/>
           </a:p>
@@ -5226,6 +5226,310 @@
           <a:chExt cx="0" cy="0"/>
         </a:xfrm>
       </p:grpSpPr>
+      <p:grpSp>
+        <p:nvGrpSpPr>
+          <p:cNvPr id="10" name="Grupo 9">
+            <a:extLst>
+              <a:ext uri="{FF2B5EF4-FFF2-40B4-BE49-F238E27FC236}">
+                <a16:creationId xmlns:a16="http://schemas.microsoft.com/office/drawing/2014/main" id="{62CEDA3E-F11A-402B-A5E5-ED92DFA8B829}"/>
+              </a:ext>
+            </a:extLst>
+          </p:cNvPr>
+          <p:cNvGrpSpPr/>
+          <p:nvPr/>
+        </p:nvGrpSpPr>
+        <p:grpSpPr>
+          <a:xfrm>
+            <a:off x="2822575" y="899652"/>
+            <a:ext cx="5743190" cy="4779473"/>
+            <a:chOff x="2822575" y="899652"/>
+            <a:chExt cx="5743190" cy="4779473"/>
+          </a:xfrm>
+        </p:grpSpPr>
+        <p:pic>
+          <p:nvPicPr>
+            <p:cNvPr id="1026" name="Picture 2" descr="https://cdn.discordapp.com/attachments/791304962537816084/808650727239974962/BMS.png">
+              <a:extLst>
+                <a:ext uri="{FF2B5EF4-FFF2-40B4-BE49-F238E27FC236}">
+                  <a16:creationId xmlns:a16="http://schemas.microsoft.com/office/drawing/2014/main" id="{BF97D8ED-8117-48D4-98BC-1D76AA192BCE}"/>
+                </a:ext>
+              </a:extLst>
+            </p:cNvPr>
+            <p:cNvPicPr>
+              <a:picLocks noChangeAspect="1" noChangeArrowheads="1"/>
+            </p:cNvPicPr>
+            <p:nvPr/>
+          </p:nvPicPr>
+          <p:blipFill>
+            <a:blip r:embed="rId2">
+              <a:extLst>
+                <a:ext uri="{28A0092B-C50C-407E-A947-70E740481C1C}">
+                  <a14:useLocalDpi xmlns:a14="http://schemas.microsoft.com/office/drawing/2010/main" val="0"/>
+                </a:ext>
+              </a:extLst>
+            </a:blip>
+            <a:srcRect/>
+            <a:stretch>
+              <a:fillRect/>
+            </a:stretch>
+          </p:blipFill>
+          <p:spPr bwMode="auto">
+            <a:xfrm>
+              <a:off x="2822575" y="899652"/>
+              <a:ext cx="5309419" cy="4779473"/>
+            </a:xfrm>
+            <a:prstGeom prst="rect">
+              <a:avLst/>
+            </a:prstGeom>
+            <a:noFill/>
+            <a:extLst>
+              <a:ext uri="{909E8E84-426E-40DD-AFC4-6F175D3DCCD1}">
+                <a14:hiddenFill xmlns:a14="http://schemas.microsoft.com/office/drawing/2010/main">
+                  <a:solidFill>
+                    <a:srgbClr val="FFFFFF"/>
+                  </a:solidFill>
+                </a14:hiddenFill>
+              </a:ext>
+            </a:extLst>
+          </p:spPr>
+        </p:pic>
+        <p:sp>
+          <p:nvSpPr>
+            <p:cNvPr id="5" name="Caixa de texto 235">
+              <a:extLst>
+                <a:ext uri="{FF2B5EF4-FFF2-40B4-BE49-F238E27FC236}">
+                  <a16:creationId xmlns:a16="http://schemas.microsoft.com/office/drawing/2014/main" id="{AFD27B31-AC14-4DD1-A1BD-9C050143DA1E}"/>
+                </a:ext>
+              </a:extLst>
+            </p:cNvPr>
+            <p:cNvSpPr txBox="1"/>
+            <p:nvPr/>
+          </p:nvSpPr>
+          <p:spPr>
+            <a:xfrm>
+              <a:off x="7698223" y="2096267"/>
+              <a:ext cx="867542" cy="528945"/>
+            </a:xfrm>
+            <a:prstGeom prst="rect">
+              <a:avLst/>
+            </a:prstGeom>
+            <a:noFill/>
+            <a:ln w="6350">
+              <a:noFill/>
+            </a:ln>
+          </p:spPr>
+          <p:txBody>
+            <a:bodyPr rot="0" spcFirstLastPara="0" vert="horz" wrap="square" lIns="91440" tIns="45720" rIns="91440" bIns="45720" numCol="1" spcCol="0" rtlCol="0" fromWordArt="0" anchor="t" anchorCtr="0" forceAA="0" compatLnSpc="1">
+              <a:prstTxWarp prst="textNoShape">
+                <a:avLst/>
+              </a:prstTxWarp>
+              <a:noAutofit/>
+            </a:bodyPr>
+            <a:lstStyle/>
+            <a:p>
+              <a:pPr algn="just">
+                <a:lnSpc>
+                  <a:spcPct val="150000"/>
+                </a:lnSpc>
+                <a:spcBef>
+                  <a:spcPts val="500"/>
+                </a:spcBef>
+                <a:spcAft>
+                  <a:spcPts val="1000"/>
+                </a:spcAft>
+              </a:pPr>
+              <a:r>
+                <a:rPr lang="pt-PT" sz="1600" b="1" dirty="0">
+                  <a:solidFill>
+                    <a:srgbClr val="000000"/>
+                  </a:solidFill>
+                  <a:effectLst/>
+                  <a:latin typeface="NewsGotT" pitchFamily="2" charset="0"/>
+                  <a:ea typeface="Calibri" panose="020F0502020204030204" pitchFamily="34" charset="0"/>
+                  <a:cs typeface="Times New Roman" panose="02020603050405020304" pitchFamily="18" charset="0"/>
+                </a:rPr>
+                <a:t>-12 V</a:t>
+              </a:r>
+            </a:p>
+          </p:txBody>
+        </p:sp>
+        <p:sp>
+          <p:nvSpPr>
+            <p:cNvPr id="6" name="Caixa de texto 235">
+              <a:extLst>
+                <a:ext uri="{FF2B5EF4-FFF2-40B4-BE49-F238E27FC236}">
+                  <a16:creationId xmlns:a16="http://schemas.microsoft.com/office/drawing/2014/main" id="{AD036F8F-5CBE-4374-824F-168E0DBBF048}"/>
+                </a:ext>
+              </a:extLst>
+            </p:cNvPr>
+            <p:cNvSpPr txBox="1"/>
+            <p:nvPr/>
+          </p:nvSpPr>
+          <p:spPr>
+            <a:xfrm>
+              <a:off x="7698223" y="4483510"/>
+              <a:ext cx="867542" cy="491612"/>
+            </a:xfrm>
+            <a:prstGeom prst="rect">
+              <a:avLst/>
+            </a:prstGeom>
+            <a:noFill/>
+            <a:ln w="6350">
+              <a:noFill/>
+            </a:ln>
+          </p:spPr>
+          <p:txBody>
+            <a:bodyPr rot="0" spcFirstLastPara="0" vert="horz" wrap="square" lIns="91440" tIns="45720" rIns="91440" bIns="45720" numCol="1" spcCol="0" rtlCol="0" fromWordArt="0" anchor="t" anchorCtr="0" forceAA="0" compatLnSpc="1">
+              <a:prstTxWarp prst="textNoShape">
+                <a:avLst/>
+              </a:prstTxWarp>
+              <a:noAutofit/>
+            </a:bodyPr>
+            <a:lstStyle/>
+            <a:p>
+              <a:pPr algn="just">
+                <a:lnSpc>
+                  <a:spcPct val="150000"/>
+                </a:lnSpc>
+                <a:spcBef>
+                  <a:spcPts val="500"/>
+                </a:spcBef>
+                <a:spcAft>
+                  <a:spcPts val="1000"/>
+                </a:spcAft>
+              </a:pPr>
+              <a:r>
+                <a:rPr lang="pt-PT" sz="1600" b="1" dirty="0">
+                  <a:solidFill>
+                    <a:srgbClr val="000000"/>
+                  </a:solidFill>
+                  <a:latin typeface="NewsGotT" pitchFamily="2" charset="0"/>
+                  <a:ea typeface="Calibri" panose="020F0502020204030204" pitchFamily="34" charset="0"/>
+                  <a:cs typeface="Times New Roman" panose="02020603050405020304" pitchFamily="18" charset="0"/>
+                </a:rPr>
+                <a:t>+</a:t>
+              </a:r>
+              <a:r>
+                <a:rPr lang="pt-PT" sz="1600" b="1" dirty="0">
+                  <a:solidFill>
+                    <a:srgbClr val="000000"/>
+                  </a:solidFill>
+                  <a:effectLst/>
+                  <a:latin typeface="NewsGotT" pitchFamily="2" charset="0"/>
+                  <a:ea typeface="Calibri" panose="020F0502020204030204" pitchFamily="34" charset="0"/>
+                  <a:cs typeface="Times New Roman" panose="02020603050405020304" pitchFamily="18" charset="0"/>
+                </a:rPr>
+                <a:t>12 V</a:t>
+              </a:r>
+            </a:p>
+          </p:txBody>
+        </p:sp>
+        <p:cxnSp>
+          <p:nvCxnSpPr>
+            <p:cNvPr id="7" name="Conexão reta 6">
+              <a:extLst>
+                <a:ext uri="{FF2B5EF4-FFF2-40B4-BE49-F238E27FC236}">
+                  <a16:creationId xmlns:a16="http://schemas.microsoft.com/office/drawing/2014/main" id="{D2FCA2D8-4ADA-4D1E-809B-FAFB4F5D127B}"/>
+                </a:ext>
+              </a:extLst>
+            </p:cNvPr>
+            <p:cNvCxnSpPr/>
+            <p:nvPr/>
+          </p:nvCxnSpPr>
+          <p:spPr>
+            <a:xfrm>
+              <a:off x="7521677" y="3672348"/>
+              <a:ext cx="610317" cy="0"/>
+            </a:xfrm>
+            <a:prstGeom prst="line">
+              <a:avLst/>
+            </a:prstGeom>
+            <a:ln w="28575"/>
+          </p:spPr>
+          <p:style>
+            <a:lnRef idx="3">
+              <a:schemeClr val="dk1"/>
+            </a:lnRef>
+            <a:fillRef idx="0">
+              <a:schemeClr val="dk1"/>
+            </a:fillRef>
+            <a:effectRef idx="2">
+              <a:schemeClr val="dk1"/>
+            </a:effectRef>
+            <a:fontRef idx="minor">
+              <a:schemeClr val="tx1"/>
+            </a:fontRef>
+          </p:style>
+        </p:cxnSp>
+        <p:sp>
+          <p:nvSpPr>
+            <p:cNvPr id="9" name="Caixa de texto 235">
+              <a:extLst>
+                <a:ext uri="{FF2B5EF4-FFF2-40B4-BE49-F238E27FC236}">
+                  <a16:creationId xmlns:a16="http://schemas.microsoft.com/office/drawing/2014/main" id="{F2CC7581-5322-4368-95A8-F34907D3539E}"/>
+                </a:ext>
+              </a:extLst>
+            </p:cNvPr>
+            <p:cNvSpPr txBox="1"/>
+            <p:nvPr/>
+          </p:nvSpPr>
+          <p:spPr>
+            <a:xfrm>
+              <a:off x="7698223" y="3212229"/>
+              <a:ext cx="867542" cy="491612"/>
+            </a:xfrm>
+            <a:prstGeom prst="rect">
+              <a:avLst/>
+            </a:prstGeom>
+            <a:noFill/>
+            <a:ln w="6350">
+              <a:noFill/>
+            </a:ln>
+          </p:spPr>
+          <p:txBody>
+            <a:bodyPr rot="0" spcFirstLastPara="0" vert="horz" wrap="square" lIns="91440" tIns="45720" rIns="91440" bIns="45720" numCol="1" spcCol="0" rtlCol="0" fromWordArt="0" anchor="t" anchorCtr="0" forceAA="0" compatLnSpc="1">
+              <a:prstTxWarp prst="textNoShape">
+                <a:avLst/>
+              </a:prstTxWarp>
+              <a:noAutofit/>
+            </a:bodyPr>
+            <a:lstStyle/>
+            <a:p>
+              <a:pPr algn="just">
+                <a:lnSpc>
+                  <a:spcPct val="150000"/>
+                </a:lnSpc>
+                <a:spcBef>
+                  <a:spcPts val="500"/>
+                </a:spcBef>
+                <a:spcAft>
+                  <a:spcPts val="1000"/>
+                </a:spcAft>
+              </a:pPr>
+              <a:r>
+                <a:rPr lang="pt-PT" sz="1600" b="1" i="1" dirty="0">
+                  <a:solidFill>
+                    <a:srgbClr val="000000"/>
+                  </a:solidFill>
+                  <a:latin typeface="NewsGotT" pitchFamily="2" charset="0"/>
+                  <a:ea typeface="Calibri" panose="020F0502020204030204" pitchFamily="34" charset="0"/>
+                  <a:cs typeface="Times New Roman" panose="02020603050405020304" pitchFamily="18" charset="0"/>
+                </a:rPr>
+                <a:t>GND</a:t>
+              </a:r>
+              <a:endParaRPr lang="pt-PT" sz="1600" b="1" i="1" dirty="0">
+                <a:solidFill>
+                  <a:srgbClr val="000000"/>
+                </a:solidFill>
+                <a:effectLst/>
+                <a:latin typeface="NewsGotT" pitchFamily="2" charset="0"/>
+                <a:ea typeface="Calibri" panose="020F0502020204030204" pitchFamily="34" charset="0"/>
+                <a:cs typeface="Times New Roman" panose="02020603050405020304" pitchFamily="18" charset="0"/>
+              </a:endParaRPr>
+            </a:p>
+          </p:txBody>
+        </p:sp>
+      </p:grpSp>
     </p:spTree>
     <p:extLst>
       <p:ext uri="{BB962C8B-B14F-4D97-AF65-F5344CB8AC3E}">

--- a/01Relatorios/Images/Prints_Simulações_PWM_Sensor/Edicoes_WORD.pptx
+++ b/01Relatorios/Images/Prints_Simulações_PWM_Sensor/Edicoes_WORD.pptx
@@ -275,7 +275,7 @@
           <a:p>
             <a:fld id="{F1A25FD6-DE5F-4C08-B784-1070BBC5F3C4}" type="datetimeFigureOut">
               <a:rPr lang="pt-PT" smtClean="0"/>
-              <a:t>09/02/2021</a:t>
+              <a:t>11/02/2021</a:t>
             </a:fld>
             <a:endParaRPr lang="pt-PT"/>
           </a:p>
@@ -473,7 +473,7 @@
           <a:p>
             <a:fld id="{F1A25FD6-DE5F-4C08-B784-1070BBC5F3C4}" type="datetimeFigureOut">
               <a:rPr lang="pt-PT" smtClean="0"/>
-              <a:t>09/02/2021</a:t>
+              <a:t>11/02/2021</a:t>
             </a:fld>
             <a:endParaRPr lang="pt-PT"/>
           </a:p>
@@ -681,7 +681,7 @@
           <a:p>
             <a:fld id="{F1A25FD6-DE5F-4C08-B784-1070BBC5F3C4}" type="datetimeFigureOut">
               <a:rPr lang="pt-PT" smtClean="0"/>
-              <a:t>09/02/2021</a:t>
+              <a:t>11/02/2021</a:t>
             </a:fld>
             <a:endParaRPr lang="pt-PT"/>
           </a:p>
@@ -879,7 +879,7 @@
           <a:p>
             <a:fld id="{F1A25FD6-DE5F-4C08-B784-1070BBC5F3C4}" type="datetimeFigureOut">
               <a:rPr lang="pt-PT" smtClean="0"/>
-              <a:t>09/02/2021</a:t>
+              <a:t>11/02/2021</a:t>
             </a:fld>
             <a:endParaRPr lang="pt-PT"/>
           </a:p>
@@ -1154,7 +1154,7 @@
           <a:p>
             <a:fld id="{F1A25FD6-DE5F-4C08-B784-1070BBC5F3C4}" type="datetimeFigureOut">
               <a:rPr lang="pt-PT" smtClean="0"/>
-              <a:t>09/02/2021</a:t>
+              <a:t>11/02/2021</a:t>
             </a:fld>
             <a:endParaRPr lang="pt-PT"/>
           </a:p>
@@ -1419,7 +1419,7 @@
           <a:p>
             <a:fld id="{F1A25FD6-DE5F-4C08-B784-1070BBC5F3C4}" type="datetimeFigureOut">
               <a:rPr lang="pt-PT" smtClean="0"/>
-              <a:t>09/02/2021</a:t>
+              <a:t>11/02/2021</a:t>
             </a:fld>
             <a:endParaRPr lang="pt-PT"/>
           </a:p>
@@ -1831,7 +1831,7 @@
           <a:p>
             <a:fld id="{F1A25FD6-DE5F-4C08-B784-1070BBC5F3C4}" type="datetimeFigureOut">
               <a:rPr lang="pt-PT" smtClean="0"/>
-              <a:t>09/02/2021</a:t>
+              <a:t>11/02/2021</a:t>
             </a:fld>
             <a:endParaRPr lang="pt-PT"/>
           </a:p>
@@ -1972,7 +1972,7 @@
           <a:p>
             <a:fld id="{F1A25FD6-DE5F-4C08-B784-1070BBC5F3C4}" type="datetimeFigureOut">
               <a:rPr lang="pt-PT" smtClean="0"/>
-              <a:t>09/02/2021</a:t>
+              <a:t>11/02/2021</a:t>
             </a:fld>
             <a:endParaRPr lang="pt-PT"/>
           </a:p>
@@ -2085,7 +2085,7 @@
           <a:p>
             <a:fld id="{F1A25FD6-DE5F-4C08-B784-1070BBC5F3C4}" type="datetimeFigureOut">
               <a:rPr lang="pt-PT" smtClean="0"/>
-              <a:t>09/02/2021</a:t>
+              <a:t>11/02/2021</a:t>
             </a:fld>
             <a:endParaRPr lang="pt-PT"/>
           </a:p>
@@ -2396,7 +2396,7 @@
           <a:p>
             <a:fld id="{F1A25FD6-DE5F-4C08-B784-1070BBC5F3C4}" type="datetimeFigureOut">
               <a:rPr lang="pt-PT" smtClean="0"/>
-              <a:t>09/02/2021</a:t>
+              <a:t>11/02/2021</a:t>
             </a:fld>
             <a:endParaRPr lang="pt-PT"/>
           </a:p>
@@ -2684,7 +2684,7 @@
           <a:p>
             <a:fld id="{F1A25FD6-DE5F-4C08-B784-1070BBC5F3C4}" type="datetimeFigureOut">
               <a:rPr lang="pt-PT" smtClean="0"/>
-              <a:t>09/02/2021</a:t>
+              <a:t>11/02/2021</a:t>
             </a:fld>
             <a:endParaRPr lang="pt-PT"/>
           </a:p>
@@ -2925,7 +2925,7 @@
           <a:p>
             <a:fld id="{F1A25FD6-DE5F-4C08-B784-1070BBC5F3C4}" type="datetimeFigureOut">
               <a:rPr lang="pt-PT" smtClean="0"/>
-              <a:t>09/02/2021</a:t>
+              <a:t>11/02/2021</a:t>
             </a:fld>
             <a:endParaRPr lang="pt-PT"/>
           </a:p>
@@ -5953,10 +5953,10 @@
       </p:grpSpPr>
       <p:grpSp>
         <p:nvGrpSpPr>
-          <p:cNvPr id="6" name="Grupo 5">
-            <a:extLst>
-              <a:ext uri="{FF2B5EF4-FFF2-40B4-BE49-F238E27FC236}">
-                <a16:creationId xmlns:a16="http://schemas.microsoft.com/office/drawing/2014/main" id="{87058F52-1DA0-4E55-AA8A-9CE2B8E3F602}"/>
+          <p:cNvPr id="11" name="Agrupar 10">
+            <a:extLst>
+              <a:ext uri="{FF2B5EF4-FFF2-40B4-BE49-F238E27FC236}">
+                <a16:creationId xmlns:a16="http://schemas.microsoft.com/office/drawing/2014/main" id="{E619416B-64A4-4C96-A693-71E780333B87}"/>
               </a:ext>
             </a:extLst>
           </p:cNvPr>
@@ -5965,10 +5965,162 @@
         </p:nvGrpSpPr>
         <p:grpSpPr>
           <a:xfrm>
-            <a:off x="725350" y="1219200"/>
-            <a:ext cx="10267742" cy="4419600"/>
-            <a:chOff x="725350" y="1219200"/>
-            <a:chExt cx="10267742" cy="4419600"/>
+            <a:off x="466523" y="1700420"/>
+            <a:ext cx="9886950" cy="4305300"/>
+            <a:chOff x="466523" y="1700420"/>
+            <a:chExt cx="9886950" cy="4305300"/>
+          </a:xfrm>
+        </p:grpSpPr>
+        <p:sp>
+          <p:nvSpPr>
+            <p:cNvPr id="5" name="Oval 4">
+              <a:extLst>
+                <a:ext uri="{FF2B5EF4-FFF2-40B4-BE49-F238E27FC236}">
+                  <a16:creationId xmlns:a16="http://schemas.microsoft.com/office/drawing/2014/main" id="{417C977D-A1F7-4B90-A17D-FDC761DF46B5}"/>
+                </a:ext>
+              </a:extLst>
+            </p:cNvPr>
+            <p:cNvSpPr/>
+            <p:nvPr/>
+          </p:nvSpPr>
+          <p:spPr>
+            <a:xfrm>
+              <a:off x="519527" y="2633871"/>
+              <a:ext cx="761586" cy="768625"/>
+            </a:xfrm>
+            <a:prstGeom prst="ellipse">
+              <a:avLst/>
+            </a:prstGeom>
+            <a:solidFill>
+              <a:schemeClr val="accent6">
+                <a:lumMod val="60000"/>
+                <a:lumOff val="40000"/>
+              </a:schemeClr>
+            </a:solidFill>
+            <a:ln>
+              <a:solidFill>
+                <a:schemeClr val="accent6">
+                  <a:lumMod val="60000"/>
+                  <a:lumOff val="40000"/>
+                </a:schemeClr>
+              </a:solidFill>
+            </a:ln>
+          </p:spPr>
+          <p:style>
+            <a:lnRef idx="2">
+              <a:schemeClr val="accent1">
+                <a:shade val="50000"/>
+              </a:schemeClr>
+            </a:lnRef>
+            <a:fillRef idx="1">
+              <a:schemeClr val="accent1"/>
+            </a:fillRef>
+            <a:effectRef idx="0">
+              <a:schemeClr val="accent1"/>
+            </a:effectRef>
+            <a:fontRef idx="minor">
+              <a:schemeClr val="lt1"/>
+            </a:fontRef>
+          </p:style>
+          <p:txBody>
+            <a:bodyPr rtlCol="0" anchor="ctr"/>
+            <a:lstStyle/>
+            <a:p>
+              <a:pPr algn="ctr"/>
+              <a:endParaRPr lang="pt-PT"/>
+            </a:p>
+          </p:txBody>
+        </p:sp>
+        <p:pic>
+          <p:nvPicPr>
+            <p:cNvPr id="10" name="Imagem 9">
+              <a:extLst>
+                <a:ext uri="{FF2B5EF4-FFF2-40B4-BE49-F238E27FC236}">
+                  <a16:creationId xmlns:a16="http://schemas.microsoft.com/office/drawing/2014/main" id="{B80B8F7E-D985-4DA8-AAF6-8296DF73B1D8}"/>
+                </a:ext>
+              </a:extLst>
+            </p:cNvPr>
+            <p:cNvPicPr>
+              <a:picLocks noChangeAspect="1"/>
+            </p:cNvPicPr>
+            <p:nvPr/>
+          </p:nvPicPr>
+          <p:blipFill>
+            <a:blip r:embed="rId2">
+              <a:clrChange>
+                <a:clrFrom>
+                  <a:srgbClr val="FFFFFF"/>
+                </a:clrFrom>
+                <a:clrTo>
+                  <a:srgbClr val="FFFFFF">
+                    <a:alpha val="0"/>
+                  </a:srgbClr>
+                </a:clrTo>
+              </a:clrChange>
+            </a:blip>
+            <a:stretch>
+              <a:fillRect/>
+            </a:stretch>
+          </p:blipFill>
+          <p:spPr>
+            <a:xfrm>
+              <a:off x="466523" y="1700420"/>
+              <a:ext cx="9886950" cy="4305300"/>
+            </a:xfrm>
+            <a:prstGeom prst="rect">
+              <a:avLst/>
+            </a:prstGeom>
+          </p:spPr>
+        </p:pic>
+      </p:grpSp>
+    </p:spTree>
+    <p:extLst>
+      <p:ext uri="{BB962C8B-B14F-4D97-AF65-F5344CB8AC3E}">
+        <p14:creationId xmlns:p14="http://schemas.microsoft.com/office/powerpoint/2010/main" val="1946919977"/>
+      </p:ext>
+    </p:extLst>
+  </p:cSld>
+  <p:clrMapOvr>
+    <a:masterClrMapping/>
+  </p:clrMapOvr>
+</p:sld>
+</file>
+
+<file path=ppt/slides/slide4.xml><?xml version="1.0" encoding="utf-8"?>
+<p:sld xmlns:a="http://schemas.openxmlformats.org/drawingml/2006/main" xmlns:r="http://schemas.openxmlformats.org/officeDocument/2006/relationships" xmlns:p="http://schemas.openxmlformats.org/presentationml/2006/main">
+  <p:cSld>
+    <p:spTree>
+      <p:nvGrpSpPr>
+        <p:cNvPr id="1" name=""/>
+        <p:cNvGrpSpPr/>
+        <p:nvPr/>
+      </p:nvGrpSpPr>
+      <p:grpSpPr>
+        <a:xfrm>
+          <a:off x="0" y="0"/>
+          <a:ext cx="0" cy="0"/>
+          <a:chOff x="0" y="0"/>
+          <a:chExt cx="0" cy="0"/>
+        </a:xfrm>
+      </p:grpSpPr>
+      <p:grpSp>
+        <p:nvGrpSpPr>
+          <p:cNvPr id="10" name="Agrupar 9">
+            <a:extLst>
+              <a:ext uri="{FF2B5EF4-FFF2-40B4-BE49-F238E27FC236}">
+                <a16:creationId xmlns:a16="http://schemas.microsoft.com/office/drawing/2014/main" id="{85A8C498-7EC2-4F83-BC26-A330384560BF}"/>
+              </a:ext>
+            </a:extLst>
+          </p:cNvPr>
+          <p:cNvGrpSpPr/>
+          <p:nvPr/>
+        </p:nvGrpSpPr>
+        <p:grpSpPr>
+          <a:xfrm>
+            <a:off x="659090" y="1721126"/>
+            <a:ext cx="9886950" cy="4343400"/>
+            <a:chOff x="659090" y="1721126"/>
+            <a:chExt cx="9886950" cy="4343400"/>
           </a:xfrm>
         </p:grpSpPr>
         <p:sp>
@@ -6033,10 +6185,10 @@
         </p:sp>
         <p:pic>
           <p:nvPicPr>
-            <p:cNvPr id="4" name="Imagem 3">
+            <p:cNvPr id="9" name="Imagem 8">
               <a:extLst>
                 <a:ext uri="{FF2B5EF4-FFF2-40B4-BE49-F238E27FC236}">
-                  <a16:creationId xmlns:a16="http://schemas.microsoft.com/office/drawing/2014/main" id="{83E0A114-EFA3-4275-A2E3-6D94E819BC8B}"/>
+                  <a16:creationId xmlns:a16="http://schemas.microsoft.com/office/drawing/2014/main" id="{9F3B0418-BF99-4D2B-AE5A-FE513C7E7B4E}"/>
                 </a:ext>
               </a:extLst>
             </p:cNvPr>
@@ -6045,7 +6197,7 @@
             </p:cNvPicPr>
             <p:nvPr/>
           </p:nvPicPr>
-          <p:blipFill rotWithShape="1">
+          <p:blipFill>
             <a:blip r:embed="rId2">
               <a:clrChange>
                 <a:clrFrom>
@@ -6058,13 +6210,14 @@
                 </a:clrTo>
               </a:clrChange>
             </a:blip>
-            <a:srcRect l="2450"/>
-            <a:stretch/>
+            <a:stretch>
+              <a:fillRect/>
+            </a:stretch>
           </p:blipFill>
           <p:spPr>
             <a:xfrm>
-              <a:off x="967409" y="1219200"/>
-              <a:ext cx="10025683" cy="4419600"/>
+              <a:off x="659090" y="1721126"/>
+              <a:ext cx="9886950" cy="4343400"/>
             </a:xfrm>
             <a:prstGeom prst="rect">
               <a:avLst/>
@@ -6075,7 +6228,7 @@
     </p:spTree>
     <p:extLst>
       <p:ext uri="{BB962C8B-B14F-4D97-AF65-F5344CB8AC3E}">
-        <p14:creationId xmlns:p14="http://schemas.microsoft.com/office/powerpoint/2010/main" val="1946919977"/>
+        <p14:creationId xmlns:p14="http://schemas.microsoft.com/office/powerpoint/2010/main" val="3467082029"/>
       </p:ext>
     </p:extLst>
   </p:cSld>
@@ -6085,7 +6238,7 @@
 </p:sld>
 </file>
 
-<file path=ppt/slides/slide4.xml><?xml version="1.0" encoding="utf-8"?>
+<file path=ppt/slides/slide5.xml><?xml version="1.0" encoding="utf-8"?>
 <p:sld xmlns:a="http://schemas.openxmlformats.org/drawingml/2006/main" xmlns:r="http://schemas.openxmlformats.org/officeDocument/2006/relationships" xmlns:p="http://schemas.openxmlformats.org/presentationml/2006/main">
   <p:cSld>
     <p:spTree>
@@ -6104,10 +6257,10 @@
       </p:grpSpPr>
       <p:grpSp>
         <p:nvGrpSpPr>
-          <p:cNvPr id="3" name="Grupo 2">
-            <a:extLst>
-              <a:ext uri="{FF2B5EF4-FFF2-40B4-BE49-F238E27FC236}">
-                <a16:creationId xmlns:a16="http://schemas.microsoft.com/office/drawing/2014/main" id="{CD1E2360-384F-4C5E-92A5-0782F00A6D69}"/>
+          <p:cNvPr id="7" name="Agrupar 6">
+            <a:extLst>
+              <a:ext uri="{FF2B5EF4-FFF2-40B4-BE49-F238E27FC236}">
+                <a16:creationId xmlns:a16="http://schemas.microsoft.com/office/drawing/2014/main" id="{230BF84F-B3F7-44E9-ACF7-C6FA6AAB33AF}"/>
               </a:ext>
             </a:extLst>
           </p:cNvPr>
@@ -6116,10 +6269,10 @@
         </p:nvGrpSpPr>
         <p:grpSpPr>
           <a:xfrm>
-            <a:off x="725350" y="1229760"/>
-            <a:ext cx="10199825" cy="4371975"/>
-            <a:chOff x="725350" y="1229760"/>
-            <a:chExt cx="10199825" cy="4371975"/>
+            <a:off x="606081" y="1819689"/>
+            <a:ext cx="9991725" cy="4305300"/>
+            <a:chOff x="659090" y="1726924"/>
+            <a:chExt cx="9991725" cy="4305300"/>
           </a:xfrm>
         </p:grpSpPr>
         <p:sp>
@@ -6184,10 +6337,10 @@
         </p:sp>
         <p:pic>
           <p:nvPicPr>
-            <p:cNvPr id="2" name="Imagem 1">
+            <p:cNvPr id="6" name="Imagem 5">
               <a:extLst>
                 <a:ext uri="{FF2B5EF4-FFF2-40B4-BE49-F238E27FC236}">
-                  <a16:creationId xmlns:a16="http://schemas.microsoft.com/office/drawing/2014/main" id="{E3E8589C-F374-4983-8FC2-0BC7775EFBAA}"/>
+                  <a16:creationId xmlns:a16="http://schemas.microsoft.com/office/drawing/2014/main" id="{8DDFE568-910E-4A10-9E65-15AF13A742AD}"/>
                 </a:ext>
               </a:extLst>
             </p:cNvPr>
@@ -6196,7 +6349,7 @@
             </p:cNvPicPr>
             <p:nvPr/>
           </p:nvPicPr>
-          <p:blipFill rotWithShape="1">
+          <p:blipFill>
             <a:blip r:embed="rId2">
               <a:clrChange>
                 <a:clrFrom>
@@ -6209,164 +6362,14 @@
                 </a:clrTo>
               </a:clrChange>
             </a:blip>
-            <a:srcRect l="2892"/>
-            <a:stretch/>
+            <a:stretch>
+              <a:fillRect/>
+            </a:stretch>
           </p:blipFill>
           <p:spPr>
             <a:xfrm>
-              <a:off x="954157" y="1229760"/>
-              <a:ext cx="9971018" cy="4371975"/>
-            </a:xfrm>
-            <a:prstGeom prst="rect">
-              <a:avLst/>
-            </a:prstGeom>
-          </p:spPr>
-        </p:pic>
-      </p:grpSp>
-    </p:spTree>
-    <p:extLst>
-      <p:ext uri="{BB962C8B-B14F-4D97-AF65-F5344CB8AC3E}">
-        <p14:creationId xmlns:p14="http://schemas.microsoft.com/office/powerpoint/2010/main" val="3467082029"/>
-      </p:ext>
-    </p:extLst>
-  </p:cSld>
-  <p:clrMapOvr>
-    <a:masterClrMapping/>
-  </p:clrMapOvr>
-</p:sld>
-</file>
-
-<file path=ppt/slides/slide5.xml><?xml version="1.0" encoding="utf-8"?>
-<p:sld xmlns:a="http://schemas.openxmlformats.org/drawingml/2006/main" xmlns:r="http://schemas.openxmlformats.org/officeDocument/2006/relationships" xmlns:p="http://schemas.openxmlformats.org/presentationml/2006/main">
-  <p:cSld>
-    <p:spTree>
-      <p:nvGrpSpPr>
-        <p:cNvPr id="1" name=""/>
-        <p:cNvGrpSpPr/>
-        <p:nvPr/>
-      </p:nvGrpSpPr>
-      <p:grpSpPr>
-        <a:xfrm>
-          <a:off x="0" y="0"/>
-          <a:ext cx="0" cy="0"/>
-          <a:chOff x="0" y="0"/>
-          <a:chExt cx="0" cy="0"/>
-        </a:xfrm>
-      </p:grpSpPr>
-      <p:grpSp>
-        <p:nvGrpSpPr>
-          <p:cNvPr id="3" name="Grupo 2">
-            <a:extLst>
-              <a:ext uri="{FF2B5EF4-FFF2-40B4-BE49-F238E27FC236}">
-                <a16:creationId xmlns:a16="http://schemas.microsoft.com/office/drawing/2014/main" id="{8BC43863-1F5A-4AE4-8722-9B3013110EA6}"/>
-              </a:ext>
-            </a:extLst>
-          </p:cNvPr>
-          <p:cNvGrpSpPr/>
-          <p:nvPr/>
-        </p:nvGrpSpPr>
-        <p:grpSpPr>
-          <a:xfrm>
-            <a:off x="725350" y="1233487"/>
-            <a:ext cx="10220530" cy="4391025"/>
-            <a:chOff x="725350" y="1233487"/>
-            <a:chExt cx="10220530" cy="4391025"/>
-          </a:xfrm>
-        </p:grpSpPr>
-        <p:sp>
-          <p:nvSpPr>
-            <p:cNvPr id="5" name="Oval 4">
-              <a:extLst>
-                <a:ext uri="{FF2B5EF4-FFF2-40B4-BE49-F238E27FC236}">
-                  <a16:creationId xmlns:a16="http://schemas.microsoft.com/office/drawing/2014/main" id="{417C977D-A1F7-4B90-A17D-FDC761DF46B5}"/>
-                </a:ext>
-              </a:extLst>
-            </p:cNvPr>
-            <p:cNvSpPr/>
-            <p:nvPr/>
-          </p:nvSpPr>
-          <p:spPr>
-            <a:xfrm>
-              <a:off x="725350" y="2660375"/>
-              <a:ext cx="761586" cy="768625"/>
-            </a:xfrm>
-            <a:prstGeom prst="ellipse">
-              <a:avLst/>
-            </a:prstGeom>
-            <a:solidFill>
-              <a:schemeClr val="accent6">
-                <a:lumMod val="60000"/>
-                <a:lumOff val="40000"/>
-              </a:schemeClr>
-            </a:solidFill>
-            <a:ln>
-              <a:solidFill>
-                <a:schemeClr val="accent6">
-                  <a:lumMod val="60000"/>
-                  <a:lumOff val="40000"/>
-                </a:schemeClr>
-              </a:solidFill>
-            </a:ln>
-          </p:spPr>
-          <p:style>
-            <a:lnRef idx="2">
-              <a:schemeClr val="accent1">
-                <a:shade val="50000"/>
-              </a:schemeClr>
-            </a:lnRef>
-            <a:fillRef idx="1">
-              <a:schemeClr val="accent1"/>
-            </a:fillRef>
-            <a:effectRef idx="0">
-              <a:schemeClr val="accent1"/>
-            </a:effectRef>
-            <a:fontRef idx="minor">
-              <a:schemeClr val="lt1"/>
-            </a:fontRef>
-          </p:style>
-          <p:txBody>
-            <a:bodyPr rtlCol="0" anchor="ctr"/>
-            <a:lstStyle/>
-            <a:p>
-              <a:pPr algn="ctr"/>
-              <a:endParaRPr lang="pt-PT"/>
-            </a:p>
-          </p:txBody>
-        </p:sp>
-        <p:pic>
-          <p:nvPicPr>
-            <p:cNvPr id="2" name="Imagem 1">
-              <a:extLst>
-                <a:ext uri="{FF2B5EF4-FFF2-40B4-BE49-F238E27FC236}">
-                  <a16:creationId xmlns:a16="http://schemas.microsoft.com/office/drawing/2014/main" id="{F19230D9-F00F-4A27-80A3-8F00564EA6F5}"/>
-                </a:ext>
-              </a:extLst>
-            </p:cNvPr>
-            <p:cNvPicPr>
-              <a:picLocks noChangeAspect="1"/>
-            </p:cNvPicPr>
-            <p:nvPr/>
-          </p:nvPicPr>
-          <p:blipFill rotWithShape="1">
-            <a:blip r:embed="rId2">
-              <a:clrChange>
-                <a:clrFrom>
-                  <a:srgbClr val="FFFFFF"/>
-                </a:clrFrom>
-                <a:clrTo>
-                  <a:srgbClr val="FFFFFF">
-                    <a:alpha val="0"/>
-                  </a:srgbClr>
-                </a:clrTo>
-              </a:clrChange>
-            </a:blip>
-            <a:srcRect l="2068"/>
-            <a:stretch/>
-          </p:blipFill>
-          <p:spPr>
-            <a:xfrm>
-              <a:off x="927651" y="1233487"/>
-              <a:ext cx="10018229" cy="4391025"/>
+              <a:off x="659090" y="1726924"/>
+              <a:ext cx="9991725" cy="4305300"/>
             </a:xfrm>
             <a:prstGeom prst="rect">
               <a:avLst/>
